--- a/Task 1/Presentation- Task 1.pptx
+++ b/Task 1/Presentation- Task 1.pptx
@@ -261,7 +261,7 @@
           <a:p>
             <a:fld id="{6670FE10-F406-47AF-8AE1-E9BA4C7E25F2}" type="datetimeFigureOut">
               <a:rPr lang="en-GB" smtClean="0"/>
-              <a:t>07/11/2024</a:t>
+              <a:t>27/04/2025</a:t>
             </a:fld>
             <a:endParaRPr lang="en-GB" dirty="0"/>
           </a:p>
@@ -595,7 +595,7 @@
           <a:p>
             <a:fld id="{6670FE10-F406-47AF-8AE1-E9BA4C7E25F2}" type="datetimeFigureOut">
               <a:rPr lang="en-GB" smtClean="0"/>
-              <a:t>07/11/2024</a:t>
+              <a:t>27/04/2025</a:t>
             </a:fld>
             <a:endParaRPr lang="en-GB"/>
           </a:p>
@@ -805,7 +805,7 @@
           <a:p>
             <a:fld id="{6670FE10-F406-47AF-8AE1-E9BA4C7E25F2}" type="datetimeFigureOut">
               <a:rPr lang="en-GB" smtClean="0"/>
-              <a:t>07/11/2024</a:t>
+              <a:t>27/04/2025</a:t>
             </a:fld>
             <a:endParaRPr lang="en-GB"/>
           </a:p>
@@ -1005,7 +1005,7 @@
           <a:p>
             <a:fld id="{6670FE10-F406-47AF-8AE1-E9BA4C7E25F2}" type="datetimeFigureOut">
               <a:rPr lang="en-GB" smtClean="0"/>
-              <a:t>07/11/2024</a:t>
+              <a:t>27/04/2025</a:t>
             </a:fld>
             <a:endParaRPr lang="en-GB"/>
           </a:p>
@@ -1412,7 +1412,7 @@
           <a:p>
             <a:fld id="{6670FE10-F406-47AF-8AE1-E9BA4C7E25F2}" type="datetimeFigureOut">
               <a:rPr lang="en-GB" smtClean="0"/>
-              <a:t>07/11/2024</a:t>
+              <a:t>27/04/2025</a:t>
             </a:fld>
             <a:endParaRPr lang="en-GB"/>
           </a:p>
@@ -1680,7 +1680,7 @@
           <a:p>
             <a:fld id="{6670FE10-F406-47AF-8AE1-E9BA4C7E25F2}" type="datetimeFigureOut">
               <a:rPr lang="en-GB" smtClean="0"/>
-              <a:t>07/11/2024</a:t>
+              <a:t>27/04/2025</a:t>
             </a:fld>
             <a:endParaRPr lang="en-GB"/>
           </a:p>
@@ -2095,7 +2095,7 @@
           <a:p>
             <a:fld id="{6670FE10-F406-47AF-8AE1-E9BA4C7E25F2}" type="datetimeFigureOut">
               <a:rPr lang="en-GB" smtClean="0"/>
-              <a:t>07/11/2024</a:t>
+              <a:t>27/04/2025</a:t>
             </a:fld>
             <a:endParaRPr lang="en-GB"/>
           </a:p>
@@ -2237,7 +2237,7 @@
           <a:p>
             <a:fld id="{6670FE10-F406-47AF-8AE1-E9BA4C7E25F2}" type="datetimeFigureOut">
               <a:rPr lang="en-GB" smtClean="0"/>
-              <a:t>07/11/2024</a:t>
+              <a:t>27/04/2025</a:t>
             </a:fld>
             <a:endParaRPr lang="en-GB"/>
           </a:p>
@@ -2350,7 +2350,7 @@
           <a:p>
             <a:fld id="{6670FE10-F406-47AF-8AE1-E9BA4C7E25F2}" type="datetimeFigureOut">
               <a:rPr lang="en-GB" smtClean="0"/>
-              <a:t>07/11/2024</a:t>
+              <a:t>27/04/2025</a:t>
             </a:fld>
             <a:endParaRPr lang="en-GB"/>
           </a:p>
@@ -2663,7 +2663,7 @@
           <a:p>
             <a:fld id="{6670FE10-F406-47AF-8AE1-E9BA4C7E25F2}" type="datetimeFigureOut">
               <a:rPr lang="en-GB" smtClean="0"/>
-              <a:t>07/11/2024</a:t>
+              <a:t>27/04/2025</a:t>
             </a:fld>
             <a:endParaRPr lang="en-GB"/>
           </a:p>
@@ -2952,7 +2952,7 @@
           <a:p>
             <a:fld id="{6670FE10-F406-47AF-8AE1-E9BA4C7E25F2}" type="datetimeFigureOut">
               <a:rPr lang="en-GB" smtClean="0"/>
-              <a:t>07/11/2024</a:t>
+              <a:t>27/04/2025</a:t>
             </a:fld>
             <a:endParaRPr lang="en-GB"/>
           </a:p>
@@ -3195,7 +3195,7 @@
           <a:p>
             <a:fld id="{6670FE10-F406-47AF-8AE1-E9BA4C7E25F2}" type="datetimeFigureOut">
               <a:rPr lang="en-GB" smtClean="0"/>
-              <a:t>07/11/2024</a:t>
+              <a:t>27/04/2025</a:t>
             </a:fld>
             <a:endParaRPr lang="en-GB"/>
           </a:p>
@@ -3682,7 +3682,7 @@
       </p:sp>
       <p:pic>
         <p:nvPicPr>
-          <p:cNvPr id="5" name="Picture 4" descr="A close-up of words&#10;&#10;Description automatically generated">
+          <p:cNvPr id="5" name="Picture 4">
             <a:extLst>
               <a:ext uri="{FF2B5EF4-FFF2-40B4-BE49-F238E27FC236}">
                 <a16:creationId xmlns:a16="http://schemas.microsoft.com/office/drawing/2014/main" id="{53D79F97-B5ED-88AA-BDA2-66F666442B6C}"/>
@@ -3702,14 +3702,13 @@
               </a:ext>
             </a:extLst>
           </a:blip>
-          <a:stretch>
-            <a:fillRect/>
-          </a:stretch>
+          <a:srcRect/>
+          <a:stretch/>
         </p:blipFill>
         <p:spPr>
           <a:xfrm>
-            <a:off x="2720370" y="0"/>
-            <a:ext cx="9488179" cy="2585529"/>
+            <a:off x="2732610" y="0"/>
+            <a:ext cx="9463699" cy="2585529"/>
           </a:xfrm>
           <a:prstGeom prst="rect">
             <a:avLst/>
@@ -3838,7 +3837,7 @@
       </p:sp>
       <p:pic>
         <p:nvPicPr>
-          <p:cNvPr id="7" name="Picture 6" descr="A graph of blue bars&#10;&#10;Description automatically generated with medium confidence">
+          <p:cNvPr id="7" name="Picture 6">
             <a:extLst>
               <a:ext uri="{FF2B5EF4-FFF2-40B4-BE49-F238E27FC236}">
                 <a16:creationId xmlns:a16="http://schemas.microsoft.com/office/drawing/2014/main" id="{A5C68420-6269-4423-5B38-5A59C1D5DDED}"/>
@@ -3858,14 +3857,13 @@
               </a:ext>
             </a:extLst>
           </a:blip>
-          <a:stretch>
-            <a:fillRect/>
-          </a:stretch>
+          <a:srcRect/>
+          <a:stretch/>
         </p:blipFill>
         <p:spPr>
           <a:xfrm>
-            <a:off x="6304998" y="2474151"/>
-            <a:ext cx="5674955" cy="4227841"/>
+            <a:off x="6309322" y="2474151"/>
+            <a:ext cx="5666307" cy="4227841"/>
           </a:xfrm>
           <a:prstGeom prst="rect">
             <a:avLst/>
